--- a/Etc/20201228 코딩문제.pptx
+++ b/Etc/20201228 코딩문제.pptx
@@ -10,6 +10,7 @@
     <p:sldId id="258" r:id="rId4"/>
     <p:sldId id="259" r:id="rId5"/>
     <p:sldId id="260" r:id="rId6"/>
+    <p:sldId id="261" r:id="rId7"/>
   </p:sldIdLst>
   <p:sldSz cx="9144000" cy="6858000" type="screen4x3"/>
   <p:notesSz cx="6858000" cy="9144000"/>
@@ -3923,8 +3924,35 @@
             </a:r>
             <a:r>
               <a:rPr lang="en-US" altLang="ko-KR" dirty="0" smtClean="0"/>
-              <a:t>. </a:t>
-            </a:r>
+              <a:t>.</a:t>
+            </a:r>
+          </a:p>
+          <a:p>
+            <a:pPr marL="857250" lvl="1" indent="-457200">
+              <a:buFontTx/>
+              <a:buChar char="-"/>
+            </a:pPr>
+            <a:r>
+              <a:rPr lang="ko-KR" altLang="en-US" dirty="0" err="1" smtClean="0"/>
+              <a:t>토탈</a:t>
+            </a:r>
+            <a:r>
+              <a:rPr lang="ko-KR" altLang="en-US" dirty="0" smtClean="0"/>
+              <a:t> 점수는 </a:t>
+            </a:r>
+            <a:r>
+              <a:rPr lang="en-US" altLang="ko-KR" dirty="0" smtClean="0"/>
+              <a:t>100</a:t>
+            </a:r>
+            <a:r>
+              <a:rPr lang="ko-KR" altLang="en-US" dirty="0" smtClean="0"/>
+              <a:t>점이어야 함</a:t>
+            </a:r>
+            <a:r>
+              <a:rPr lang="en-US" altLang="ko-KR" dirty="0" smtClean="0"/>
+              <a:t> </a:t>
+            </a:r>
+            <a:endParaRPr lang="en-US" altLang="ko-KR" dirty="0" smtClean="0"/>
           </a:p>
         </p:txBody>
       </p:sp>
@@ -3932,6 +3960,278 @@
     <p:extLst>
       <p:ext uri="{BB962C8B-B14F-4D97-AF65-F5344CB8AC3E}">
         <p14:creationId xmlns:p14="http://schemas.microsoft.com/office/powerpoint/2010/main" val="109944378"/>
+      </p:ext>
+    </p:extLst>
+  </p:cSld>
+  <p:clrMapOvr>
+    <a:masterClrMapping/>
+  </p:clrMapOvr>
+</p:sld>
+</file>
+
+<file path=ppt/slides/slide6.xml><?xml version="1.0" encoding="utf-8"?>
+<p:sld xmlns:a="http://schemas.openxmlformats.org/drawingml/2006/main" xmlns:r="http://schemas.openxmlformats.org/officeDocument/2006/relationships" xmlns:p="http://schemas.openxmlformats.org/presentationml/2006/main">
+  <p:cSld>
+    <p:spTree>
+      <p:nvGrpSpPr>
+        <p:cNvPr id="1" name=""/>
+        <p:cNvGrpSpPr/>
+        <p:nvPr/>
+      </p:nvGrpSpPr>
+      <p:grpSpPr>
+        <a:xfrm>
+          <a:off x="0" y="0"/>
+          <a:ext cx="0" cy="0"/>
+          <a:chOff x="0" y="0"/>
+          <a:chExt cx="0" cy="0"/>
+        </a:xfrm>
+      </p:grpSpPr>
+      <p:sp>
+        <p:nvSpPr>
+          <p:cNvPr id="2" name="제목 1"/>
+          <p:cNvSpPr>
+            <a:spLocks noGrp="1"/>
+          </p:cNvSpPr>
+          <p:nvPr>
+            <p:ph type="title"/>
+          </p:nvPr>
+        </p:nvSpPr>
+        <p:spPr/>
+        <p:txBody>
+          <a:bodyPr/>
+          <a:lstStyle/>
+          <a:p>
+            <a:r>
+              <a:rPr lang="en-US" altLang="ko-KR" dirty="0" smtClean="0"/>
+              <a:t>5.</a:t>
+            </a:r>
+            <a:r>
+              <a:rPr lang="ko-KR" altLang="en-US" dirty="0"/>
+              <a:t> </a:t>
+            </a:r>
+            <a:r>
+              <a:rPr lang="ko-KR" altLang="en-US" dirty="0" smtClean="0"/>
+              <a:t>문제와 정답은 내가 만든다</a:t>
+            </a:r>
+            <a:endParaRPr lang="ko-KR" altLang="en-US" dirty="0"/>
+          </a:p>
+        </p:txBody>
+      </p:sp>
+      <p:sp>
+        <p:nvSpPr>
+          <p:cNvPr id="3" name="내용 개체 틀 2"/>
+          <p:cNvSpPr>
+            <a:spLocks noGrp="1"/>
+          </p:cNvSpPr>
+          <p:nvPr>
+            <p:ph idx="1"/>
+          </p:nvPr>
+        </p:nvSpPr>
+        <p:spPr/>
+        <p:txBody>
+          <a:bodyPr>
+            <a:normAutofit/>
+          </a:bodyPr>
+          <a:lstStyle/>
+          <a:p>
+            <a:pPr marL="514350" indent="-514350">
+              <a:buAutoNum type="arabicPeriod"/>
+            </a:pPr>
+            <a:r>
+              <a:rPr lang="ko-KR" altLang="en-US" sz="2000" dirty="0" smtClean="0"/>
+              <a:t>문제의 개수를 </a:t>
+            </a:r>
+            <a:r>
+              <a:rPr lang="ko-KR" altLang="en-US" sz="2000" dirty="0" err="1" smtClean="0"/>
+              <a:t>입력받는다</a:t>
+            </a:r>
+            <a:r>
+              <a:rPr lang="en-US" altLang="ko-KR" sz="2000" dirty="0" smtClean="0"/>
+              <a:t>.</a:t>
+            </a:r>
+          </a:p>
+          <a:p>
+            <a:pPr marL="514350" indent="-514350">
+              <a:buAutoNum type="arabicPeriod"/>
+            </a:pPr>
+            <a:r>
+              <a:rPr lang="ko-KR" altLang="en-US" sz="2000" dirty="0" smtClean="0"/>
+              <a:t>각 문제 및 정답을 </a:t>
+            </a:r>
+            <a:r>
+              <a:rPr lang="ko-KR" altLang="en-US" sz="2000" dirty="0" err="1" smtClean="0"/>
+              <a:t>입력받는다</a:t>
+            </a:r>
+            <a:r>
+              <a:rPr lang="en-US" altLang="ko-KR" sz="2000" dirty="0" smtClean="0"/>
+              <a:t>.</a:t>
+            </a:r>
+          </a:p>
+          <a:p>
+            <a:pPr marL="400050" lvl="1" indent="0">
+              <a:buNone/>
+            </a:pPr>
+            <a:r>
+              <a:rPr lang="en-US" altLang="ko-KR" sz="1800" dirty="0" smtClean="0"/>
+              <a:t>     ver1)</a:t>
+            </a:r>
+            <a:r>
+              <a:rPr lang="ko-KR" altLang="en-US" sz="1800" dirty="0" smtClean="0"/>
+              <a:t>객관식</a:t>
+            </a:r>
+            <a:endParaRPr lang="en-US" altLang="ko-KR" sz="1800" dirty="0" smtClean="0"/>
+          </a:p>
+          <a:p>
+            <a:pPr marL="400050" lvl="1" indent="0">
+              <a:buNone/>
+            </a:pPr>
+            <a:r>
+              <a:rPr lang="en-US" altLang="ko-KR" sz="1800" dirty="0" smtClean="0"/>
+              <a:t>     ver2)</a:t>
+            </a:r>
+            <a:r>
+              <a:rPr lang="ko-KR" altLang="en-US" sz="1800" dirty="0" smtClean="0"/>
+              <a:t>주관식 및 객관식 혼용</a:t>
+            </a:r>
+            <a:endParaRPr lang="en-US" altLang="ko-KR" sz="1800" dirty="0" smtClean="0"/>
+          </a:p>
+          <a:p>
+            <a:pPr marL="514350" indent="-514350">
+              <a:buAutoNum type="arabicPeriod"/>
+            </a:pPr>
+            <a:r>
+              <a:rPr lang="ko-KR" altLang="en-US" sz="2000" dirty="0" smtClean="0"/>
+              <a:t>문제랑 정답을 다 </a:t>
+            </a:r>
+            <a:r>
+              <a:rPr lang="ko-KR" altLang="en-US" sz="2000" dirty="0" err="1" smtClean="0"/>
+              <a:t>입력받았다면</a:t>
+            </a:r>
+            <a:r>
+              <a:rPr lang="ko-KR" altLang="en-US" sz="2000" dirty="0" smtClean="0"/>
+              <a:t> </a:t>
+            </a:r>
+            <a:r>
+              <a:rPr lang="en-US" altLang="ko-KR" sz="2000" dirty="0" smtClean="0"/>
+              <a:t>100</a:t>
+            </a:r>
+            <a:r>
+              <a:rPr lang="ko-KR" altLang="en-US" sz="2000" dirty="0" smtClean="0"/>
+              <a:t>칸 띈다</a:t>
+            </a:r>
+            <a:endParaRPr lang="en-US" altLang="ko-KR" sz="2000" dirty="0"/>
+          </a:p>
+          <a:p>
+            <a:pPr marL="514350" indent="-514350">
+              <a:buAutoNum type="arabicPeriod"/>
+            </a:pPr>
+            <a:r>
+              <a:rPr lang="en-US" altLang="ko-KR" sz="2000" dirty="0" smtClean="0"/>
+              <a:t>1</a:t>
+            </a:r>
+            <a:r>
+              <a:rPr lang="ko-KR" altLang="en-US" sz="2000" dirty="0" smtClean="0"/>
+              <a:t>번부터 </a:t>
+            </a:r>
+            <a:r>
+              <a:rPr lang="ko-KR" altLang="en-US" sz="2000" dirty="0" err="1" smtClean="0"/>
+              <a:t>끝번까지</a:t>
+            </a:r>
+            <a:r>
+              <a:rPr lang="ko-KR" altLang="en-US" sz="2000" dirty="0" smtClean="0"/>
+              <a:t> 풀게 한다</a:t>
+            </a:r>
+            <a:r>
+              <a:rPr lang="en-US" altLang="ko-KR" sz="2000" dirty="0" smtClean="0"/>
+              <a:t>.</a:t>
+            </a:r>
+          </a:p>
+          <a:p>
+            <a:pPr marL="514350" indent="-514350">
+              <a:buAutoNum type="arabicPeriod"/>
+            </a:pPr>
+            <a:r>
+              <a:rPr lang="ko-KR" altLang="en-US" sz="2000" dirty="0" smtClean="0"/>
+              <a:t>결과에 대한 계산은 </a:t>
+            </a:r>
+            <a:r>
+              <a:rPr lang="en-US" altLang="ko-KR" sz="2000" dirty="0" smtClean="0"/>
+              <a:t>4</a:t>
+            </a:r>
+            <a:r>
+              <a:rPr lang="ko-KR" altLang="en-US" sz="2000" dirty="0" smtClean="0"/>
+              <a:t>번과 유사하다</a:t>
+            </a:r>
+            <a:endParaRPr lang="en-US" altLang="ko-KR" sz="2000" dirty="0" smtClean="0"/>
+          </a:p>
+          <a:p>
+            <a:pPr marL="685800" lvl="1">
+              <a:buFontTx/>
+              <a:buChar char="-"/>
+            </a:pPr>
+            <a:r>
+              <a:rPr lang="en-US" altLang="ko-KR" sz="1600" dirty="0" smtClean="0"/>
+              <a:t>OOXOO = 3</a:t>
+            </a:r>
+            <a:r>
+              <a:rPr lang="ko-KR" altLang="en-US" sz="1600" dirty="0" err="1" smtClean="0"/>
+              <a:t>번문제</a:t>
+            </a:r>
+            <a:r>
+              <a:rPr lang="ko-KR" altLang="en-US" sz="1600" dirty="0" smtClean="0"/>
+              <a:t> 빼고 모두 맞음</a:t>
+            </a:r>
+            <a:endParaRPr lang="en-US" altLang="ko-KR" sz="2000" dirty="0" smtClean="0"/>
+          </a:p>
+          <a:p>
+            <a:pPr marL="514350" indent="-514350">
+              <a:buAutoNum type="arabicPeriod"/>
+            </a:pPr>
+            <a:r>
+              <a:rPr lang="ko-KR" altLang="en-US" sz="2000" dirty="0" smtClean="0"/>
+              <a:t>다 풀었다면 몇 개 맞췄고</a:t>
+            </a:r>
+            <a:r>
+              <a:rPr lang="en-US" altLang="ko-KR" sz="2000" dirty="0" smtClean="0"/>
+              <a:t>, </a:t>
+            </a:r>
+            <a:r>
+              <a:rPr lang="ko-KR" altLang="en-US" sz="2000" dirty="0" smtClean="0"/>
+              <a:t>틀린 문제와 맞은 문제를 표시해준다</a:t>
+            </a:r>
+            <a:r>
+              <a:rPr lang="en-US" altLang="ko-KR" sz="2000" dirty="0" smtClean="0"/>
+              <a:t>.</a:t>
+            </a:r>
+          </a:p>
+          <a:p>
+            <a:pPr marL="514350" indent="-514350">
+              <a:buAutoNum type="arabicPeriod"/>
+            </a:pPr>
+            <a:r>
+              <a:rPr lang="ko-KR" altLang="en-US" sz="2000" dirty="0" smtClean="0"/>
+              <a:t>그리고 다시 처음으로 돌아가서 문제를 푼다</a:t>
+            </a:r>
+            <a:r>
+              <a:rPr lang="en-US" altLang="ko-KR" sz="2000" dirty="0" smtClean="0"/>
+              <a:t>(4</a:t>
+            </a:r>
+            <a:r>
+              <a:rPr lang="ko-KR" altLang="en-US" sz="2000" dirty="0" smtClean="0"/>
+              <a:t>번으로 돌아간다</a:t>
+            </a:r>
+            <a:r>
+              <a:rPr lang="en-US" altLang="ko-KR" sz="2000" dirty="0" smtClean="0"/>
+              <a:t>.)</a:t>
+            </a:r>
+            <a:endParaRPr lang="en-US" altLang="ko-KR" sz="2000" dirty="0"/>
+          </a:p>
+        </p:txBody>
+      </p:sp>
+    </p:spTree>
+    <p:extLst>
+      <p:ext uri="{BB962C8B-B14F-4D97-AF65-F5344CB8AC3E}">
+        <p14:creationId xmlns:p14="http://schemas.microsoft.com/office/powerpoint/2010/main" val="2072869276"/>
       </p:ext>
     </p:extLst>
   </p:cSld>
